--- a/142 - Love Divine, All Loves Excelling.pptx
+++ b/142 - Love Divine, All Loves Excelling.pptx
@@ -115,10 +115,6 @@
 </p:presentation>
 </file>
 
-<file path=ppt/revisionInfo.xml><?xml version="1.0" encoding="utf-8"?>
-<p1510:revInfo xmlns:a="http://schemas.openxmlformats.org/drawingml/2006/main" xmlns:r="http://schemas.openxmlformats.org/officeDocument/2006/relationships" xmlns:p1510="http://schemas.microsoft.com/office/powerpoint/2015/10/main"/>
-</file>
-
 <file path=ppt/slideLayouts/slideLayout1.xml><?xml version="1.0" encoding="utf-8"?>
 <p:sldLayout xmlns:a="http://schemas.openxmlformats.org/drawingml/2006/main" xmlns:r="http://schemas.openxmlformats.org/officeDocument/2006/relationships" xmlns:p="http://schemas.openxmlformats.org/presentationml/2006/main" type="title" preserve="1">
   <p:cSld name="Title Slide">
@@ -248,7 +244,7 @@
           <a:p>
             <a:fld id="{32F7251A-AE54-443C-B8FE-5F636E835EBF}" type="datetimeFigureOut">
               <a:rPr lang="en-US" smtClean="0"/>
-              <a:t>10/15/2017</a:t>
+              <a:t>5/17/2020</a:t>
             </a:fld>
             <a:endParaRPr lang="en-US"/>
           </a:p>
@@ -416,7 +412,7 @@
           <a:p>
             <a:fld id="{32F7251A-AE54-443C-B8FE-5F636E835EBF}" type="datetimeFigureOut">
               <a:rPr lang="en-US" smtClean="0"/>
-              <a:t>10/15/2017</a:t>
+              <a:t>5/17/2020</a:t>
             </a:fld>
             <a:endParaRPr lang="en-US"/>
           </a:p>
@@ -594,7 +590,7 @@
           <a:p>
             <a:fld id="{32F7251A-AE54-443C-B8FE-5F636E835EBF}" type="datetimeFigureOut">
               <a:rPr lang="en-US" smtClean="0"/>
-              <a:t>10/15/2017</a:t>
+              <a:t>5/17/2020</a:t>
             </a:fld>
             <a:endParaRPr lang="en-US"/>
           </a:p>
@@ -762,7 +758,7 @@
           <a:p>
             <a:fld id="{32F7251A-AE54-443C-B8FE-5F636E835EBF}" type="datetimeFigureOut">
               <a:rPr lang="en-US" smtClean="0"/>
-              <a:t>10/15/2017</a:t>
+              <a:t>5/17/2020</a:t>
             </a:fld>
             <a:endParaRPr lang="en-US"/>
           </a:p>
@@ -1007,7 +1003,7 @@
           <a:p>
             <a:fld id="{32F7251A-AE54-443C-B8FE-5F636E835EBF}" type="datetimeFigureOut">
               <a:rPr lang="en-US" smtClean="0"/>
-              <a:t>10/15/2017</a:t>
+              <a:t>5/17/2020</a:t>
             </a:fld>
             <a:endParaRPr lang="en-US"/>
           </a:p>
@@ -1236,7 +1232,7 @@
           <a:p>
             <a:fld id="{32F7251A-AE54-443C-B8FE-5F636E835EBF}" type="datetimeFigureOut">
               <a:rPr lang="en-US" smtClean="0"/>
-              <a:t>10/15/2017</a:t>
+              <a:t>5/17/2020</a:t>
             </a:fld>
             <a:endParaRPr lang="en-US"/>
           </a:p>
@@ -1600,7 +1596,7 @@
           <a:p>
             <a:fld id="{32F7251A-AE54-443C-B8FE-5F636E835EBF}" type="datetimeFigureOut">
               <a:rPr lang="en-US" smtClean="0"/>
-              <a:t>10/15/2017</a:t>
+              <a:t>5/17/2020</a:t>
             </a:fld>
             <a:endParaRPr lang="en-US"/>
           </a:p>
@@ -1717,7 +1713,7 @@
           <a:p>
             <a:fld id="{32F7251A-AE54-443C-B8FE-5F636E835EBF}" type="datetimeFigureOut">
               <a:rPr lang="en-US" smtClean="0"/>
-              <a:t>10/15/2017</a:t>
+              <a:t>5/17/2020</a:t>
             </a:fld>
             <a:endParaRPr lang="en-US"/>
           </a:p>
@@ -1812,7 +1808,7 @@
           <a:p>
             <a:fld id="{32F7251A-AE54-443C-B8FE-5F636E835EBF}" type="datetimeFigureOut">
               <a:rPr lang="en-US" smtClean="0"/>
-              <a:t>10/15/2017</a:t>
+              <a:t>5/17/2020</a:t>
             </a:fld>
             <a:endParaRPr lang="en-US"/>
           </a:p>
@@ -2087,7 +2083,7 @@
           <a:p>
             <a:fld id="{32F7251A-AE54-443C-B8FE-5F636E835EBF}" type="datetimeFigureOut">
               <a:rPr lang="en-US" smtClean="0"/>
-              <a:t>10/15/2017</a:t>
+              <a:t>5/17/2020</a:t>
             </a:fld>
             <a:endParaRPr lang="en-US"/>
           </a:p>
@@ -2339,7 +2335,7 @@
           <a:p>
             <a:fld id="{32F7251A-AE54-443C-B8FE-5F636E835EBF}" type="datetimeFigureOut">
               <a:rPr lang="en-US" smtClean="0"/>
-              <a:t>10/15/2017</a:t>
+              <a:t>5/17/2020</a:t>
             </a:fld>
             <a:endParaRPr lang="en-US"/>
           </a:p>
@@ -2406,7 +2402,9 @@
     <p:bg>
       <p:bgPr>
         <a:solidFill>
-          <a:srgbClr val="333333"/>
+          <a:schemeClr val="bg1">
+            <a:lumMod val="10000"/>
+          </a:schemeClr>
         </a:solidFill>
         <a:effectLst/>
       </p:bgPr>
@@ -2553,7 +2551,7 @@
           <a:p>
             <a:fld id="{32F7251A-AE54-443C-B8FE-5F636E835EBF}" type="datetimeFigureOut">
               <a:rPr lang="en-US" smtClean="0"/>
-              <a:t>10/15/2017</a:t>
+              <a:t>5/17/2020</a:t>
             </a:fld>
             <a:endParaRPr lang="en-US"/>
           </a:p>
@@ -3023,8 +3021,8 @@
         </p:nvSpPr>
         <p:spPr>
           <a:xfrm>
-            <a:off x="0" y="5804209"/>
-            <a:ext cx="12192000" cy="830997"/>
+            <a:off x="0" y="5927320"/>
+            <a:ext cx="12192000" cy="584775"/>
           </a:xfrm>
           <a:prstGeom prst="rect">
             <a:avLst/>
@@ -3039,10 +3037,12 @@
           <a:p>
             <a:pPr algn="ctr"/>
             <a:r>
-              <a:rPr lang="en-US" sz="4800" dirty="0">
+              <a:rPr lang="en-US" sz="3200" u="sng" dirty="0">
                 <a:solidFill>
                   <a:schemeClr val="bg1"/>
                 </a:solidFill>
+                <a:latin typeface="Assistant SemiBold" panose="00000700000000000000" pitchFamily="2" charset="-79"/>
+                <a:cs typeface="Assistant SemiBold" panose="00000700000000000000" pitchFamily="2" charset="-79"/>
               </a:rPr>
               <a:t>“Love Divine, All Loves Excelling”</a:t>
             </a:r>
@@ -3057,8 +3057,8 @@
         </p:nvSpPr>
         <p:spPr>
           <a:xfrm>
-            <a:off x="0" y="255159"/>
-            <a:ext cx="12192000" cy="5078313"/>
+            <a:off x="0" y="748839"/>
+            <a:ext cx="12192000" cy="2982959"/>
           </a:xfrm>
           <a:prstGeom prst="rect">
             <a:avLst/>
@@ -3073,10 +3073,12 @@
           <a:p>
             <a:pPr algn="ctr"/>
             <a:r>
-              <a:rPr lang="en-US" sz="3600" dirty="0">
+              <a:rPr lang="en-US" sz="2800" spc="50" dirty="0">
                 <a:solidFill>
                   <a:schemeClr val="bg1"/>
                 </a:solidFill>
+                <a:latin typeface="Assistant" panose="00000500000000000000" pitchFamily="2" charset="-79"/>
+                <a:cs typeface="Assistant" panose="00000500000000000000" pitchFamily="2" charset="-79"/>
               </a:rPr>
               <a:t>Love divine, all loves excelling,</a:t>
             </a:r>
@@ -3084,10 +3086,12 @@
           <a:p>
             <a:pPr algn="ctr"/>
             <a:r>
-              <a:rPr lang="en-US" sz="3600" dirty="0">
+              <a:rPr lang="en-US" sz="2800" spc="50" dirty="0">
                 <a:solidFill>
                   <a:schemeClr val="bg1"/>
                 </a:solidFill>
+                <a:latin typeface="Assistant" panose="00000500000000000000" pitchFamily="2" charset="-79"/>
+                <a:cs typeface="Assistant" panose="00000500000000000000" pitchFamily="2" charset="-79"/>
               </a:rPr>
               <a:t>Joy of heaven to earth come down,</a:t>
             </a:r>
@@ -3095,10 +3099,12 @@
           <a:p>
             <a:pPr algn="ctr"/>
             <a:r>
-              <a:rPr lang="en-US" sz="3600" dirty="0">
+              <a:rPr lang="en-US" sz="2800" spc="50" dirty="0">
                 <a:solidFill>
                   <a:schemeClr val="bg1"/>
                 </a:solidFill>
+                <a:latin typeface="Assistant" panose="00000500000000000000" pitchFamily="2" charset="-79"/>
+                <a:cs typeface="Assistant" panose="00000500000000000000" pitchFamily="2" charset="-79"/>
               </a:rPr>
               <a:t>Fix in us Thy humble dwelling;</a:t>
             </a:r>
@@ -3106,29 +3112,35 @@
           <a:p>
             <a:pPr algn="ctr"/>
             <a:r>
-              <a:rPr lang="en-US" sz="3600" dirty="0">
+              <a:rPr lang="en-US" sz="2800" spc="50" dirty="0">
                 <a:solidFill>
                   <a:schemeClr val="bg1"/>
                 </a:solidFill>
+                <a:latin typeface="Assistant" panose="00000500000000000000" pitchFamily="2" charset="-79"/>
+                <a:cs typeface="Assistant" panose="00000500000000000000" pitchFamily="2" charset="-79"/>
               </a:rPr>
               <a:t>All Thy faithful mercies crown.</a:t>
             </a:r>
           </a:p>
           <a:p>
             <a:pPr algn="ctr"/>
-            <a:endParaRPr lang="en-US" sz="3600" dirty="0">
+            <a:endParaRPr lang="en-US" sz="2800" spc="50" dirty="0">
               <a:solidFill>
                 <a:schemeClr val="bg1"/>
               </a:solidFill>
+              <a:latin typeface="Assistant" panose="00000500000000000000" pitchFamily="2" charset="-79"/>
+              <a:cs typeface="Assistant" panose="00000500000000000000" pitchFamily="2" charset="-79"/>
             </a:endParaRPr>
           </a:p>
           <a:p>
             <a:pPr algn="ctr"/>
             <a:r>
-              <a:rPr lang="en-US" sz="3600" dirty="0">
+              <a:rPr lang="en-US" sz="2800" spc="50" dirty="0">
                 <a:solidFill>
                   <a:schemeClr val="bg1"/>
                 </a:solidFill>
+                <a:latin typeface="Assistant" panose="00000500000000000000" pitchFamily="2" charset="-79"/>
+                <a:cs typeface="Assistant" panose="00000500000000000000" pitchFamily="2" charset="-79"/>
               </a:rPr>
               <a:t>Jesus Thou art all compassion;</a:t>
             </a:r>
@@ -3136,10 +3148,12 @@
           <a:p>
             <a:pPr algn="ctr"/>
             <a:r>
-              <a:rPr lang="en-US" sz="3600" dirty="0">
+              <a:rPr lang="en-US" sz="2800" spc="50" dirty="0">
                 <a:solidFill>
                   <a:schemeClr val="bg1"/>
                 </a:solidFill>
+                <a:latin typeface="Assistant" panose="00000500000000000000" pitchFamily="2" charset="-79"/>
+                <a:cs typeface="Assistant" panose="00000500000000000000" pitchFamily="2" charset="-79"/>
               </a:rPr>
               <a:t>Pure, unbounded love Thou art.</a:t>
             </a:r>
@@ -3147,10 +3161,12 @@
           <a:p>
             <a:pPr algn="ctr"/>
             <a:r>
-              <a:rPr lang="en-US" sz="3600" dirty="0">
+              <a:rPr lang="en-US" sz="2800" spc="50" dirty="0">
                 <a:solidFill>
                   <a:schemeClr val="bg1"/>
                 </a:solidFill>
+                <a:latin typeface="Assistant" panose="00000500000000000000" pitchFamily="2" charset="-79"/>
+                <a:cs typeface="Assistant" panose="00000500000000000000" pitchFamily="2" charset="-79"/>
               </a:rPr>
               <a:t>Visit us with Thy salvation;</a:t>
             </a:r>
@@ -3158,10 +3174,12 @@
           <a:p>
             <a:pPr algn="ctr"/>
             <a:r>
-              <a:rPr lang="en-US" sz="3600" dirty="0">
+              <a:rPr lang="en-US" sz="2800" spc="50" dirty="0">
                 <a:solidFill>
                   <a:schemeClr val="bg1"/>
                 </a:solidFill>
+                <a:latin typeface="Assistant" panose="00000500000000000000" pitchFamily="2" charset="-79"/>
+                <a:cs typeface="Assistant" panose="00000500000000000000" pitchFamily="2" charset="-79"/>
               </a:rPr>
               <a:t>Enter every trembling heart.</a:t>
             </a:r>
@@ -3263,8 +3281,8 @@
         </p:nvSpPr>
         <p:spPr>
           <a:xfrm>
-            <a:off x="0" y="5804209"/>
-            <a:ext cx="12192000" cy="830997"/>
+            <a:off x="0" y="5927320"/>
+            <a:ext cx="12192000" cy="584775"/>
           </a:xfrm>
           <a:prstGeom prst="rect">
             <a:avLst/>
@@ -3279,10 +3297,12 @@
           <a:p>
             <a:pPr algn="ctr"/>
             <a:r>
-              <a:rPr lang="en-US" sz="4800" dirty="0">
+              <a:rPr lang="en-US" sz="3200" u="sng" dirty="0">
                 <a:solidFill>
                   <a:schemeClr val="bg1"/>
                 </a:solidFill>
+                <a:latin typeface="Assistant SemiBold" panose="00000700000000000000" pitchFamily="2" charset="-79"/>
+                <a:cs typeface="Assistant SemiBold" panose="00000700000000000000" pitchFamily="2" charset="-79"/>
               </a:rPr>
               <a:t>“Love Divine, All Loves Excelling”</a:t>
             </a:r>
@@ -3297,8 +3317,8 @@
         </p:nvSpPr>
         <p:spPr>
           <a:xfrm>
-            <a:off x="0" y="255159"/>
-            <a:ext cx="12192000" cy="5078313"/>
+            <a:off x="0" y="748839"/>
+            <a:ext cx="12192000" cy="2982959"/>
           </a:xfrm>
           <a:prstGeom prst="rect">
             <a:avLst/>
@@ -3313,10 +3333,12 @@
           <a:p>
             <a:pPr algn="ctr"/>
             <a:r>
-              <a:rPr lang="en-US" sz="3600" dirty="0">
+              <a:rPr lang="en-US" sz="2800" spc="50" dirty="0">
                 <a:solidFill>
                   <a:schemeClr val="bg1"/>
                 </a:solidFill>
+                <a:latin typeface="Assistant" panose="00000500000000000000" pitchFamily="2" charset="-79"/>
+                <a:cs typeface="Assistant" panose="00000500000000000000" pitchFamily="2" charset="-79"/>
               </a:rPr>
               <a:t>Breathe, O breathe Thy loving Spirit</a:t>
             </a:r>
@@ -3324,10 +3346,12 @@
           <a:p>
             <a:pPr algn="ctr"/>
             <a:r>
-              <a:rPr lang="en-US" sz="3600" dirty="0">
+              <a:rPr lang="en-US" sz="2800" spc="50" dirty="0">
                 <a:solidFill>
                   <a:schemeClr val="bg1"/>
                 </a:solidFill>
+                <a:latin typeface="Assistant" panose="00000500000000000000" pitchFamily="2" charset="-79"/>
+                <a:cs typeface="Assistant" panose="00000500000000000000" pitchFamily="2" charset="-79"/>
               </a:rPr>
               <a:t>Into every troubled breast;</a:t>
             </a:r>
@@ -3335,10 +3359,12 @@
           <a:p>
             <a:pPr algn="ctr"/>
             <a:r>
-              <a:rPr lang="en-US" sz="3600" dirty="0">
+              <a:rPr lang="en-US" sz="2800" spc="50" dirty="0">
                 <a:solidFill>
                   <a:schemeClr val="bg1"/>
                 </a:solidFill>
+                <a:latin typeface="Assistant" panose="00000500000000000000" pitchFamily="2" charset="-79"/>
+                <a:cs typeface="Assistant" panose="00000500000000000000" pitchFamily="2" charset="-79"/>
               </a:rPr>
               <a:t>Let us all in Thee inherit;</a:t>
             </a:r>
@@ -3346,29 +3372,35 @@
           <a:p>
             <a:pPr algn="ctr"/>
             <a:r>
-              <a:rPr lang="en-US" sz="3600" dirty="0">
+              <a:rPr lang="en-US" sz="2800" spc="50" dirty="0">
                 <a:solidFill>
                   <a:schemeClr val="bg1"/>
                 </a:solidFill>
+                <a:latin typeface="Assistant" panose="00000500000000000000" pitchFamily="2" charset="-79"/>
+                <a:cs typeface="Assistant" panose="00000500000000000000" pitchFamily="2" charset="-79"/>
               </a:rPr>
               <a:t>Let us find the promised rest.</a:t>
             </a:r>
           </a:p>
           <a:p>
             <a:pPr algn="ctr"/>
-            <a:endParaRPr lang="en-US" sz="3600" dirty="0">
+            <a:endParaRPr lang="en-US" sz="2800" spc="50" dirty="0">
               <a:solidFill>
                 <a:schemeClr val="bg1"/>
               </a:solidFill>
+              <a:latin typeface="Assistant" panose="00000500000000000000" pitchFamily="2" charset="-79"/>
+              <a:cs typeface="Assistant" panose="00000500000000000000" pitchFamily="2" charset="-79"/>
             </a:endParaRPr>
           </a:p>
           <a:p>
             <a:pPr algn="ctr"/>
             <a:r>
-              <a:rPr lang="en-US" sz="3600" dirty="0">
+              <a:rPr lang="en-US" sz="2800" spc="50" dirty="0">
                 <a:solidFill>
                   <a:schemeClr val="bg1"/>
                 </a:solidFill>
+                <a:latin typeface="Assistant" panose="00000500000000000000" pitchFamily="2" charset="-79"/>
+                <a:cs typeface="Assistant" panose="00000500000000000000" pitchFamily="2" charset="-79"/>
               </a:rPr>
               <a:t>Take away the love of sinning;</a:t>
             </a:r>
@@ -3376,10 +3408,12 @@
           <a:p>
             <a:pPr algn="ctr"/>
             <a:r>
-              <a:rPr lang="en-US" sz="3600" dirty="0">
+              <a:rPr lang="en-US" sz="2800" spc="50" dirty="0">
                 <a:solidFill>
                   <a:schemeClr val="bg1"/>
                 </a:solidFill>
+                <a:latin typeface="Assistant" panose="00000500000000000000" pitchFamily="2" charset="-79"/>
+                <a:cs typeface="Assistant" panose="00000500000000000000" pitchFamily="2" charset="-79"/>
               </a:rPr>
               <a:t>Alpha and Omega be;</a:t>
             </a:r>
@@ -3387,10 +3421,12 @@
           <a:p>
             <a:pPr algn="ctr"/>
             <a:r>
-              <a:rPr lang="en-US" sz="3600" dirty="0">
+              <a:rPr lang="en-US" sz="2800" spc="50" dirty="0">
                 <a:solidFill>
                   <a:schemeClr val="bg1"/>
                 </a:solidFill>
+                <a:latin typeface="Assistant" panose="00000500000000000000" pitchFamily="2" charset="-79"/>
+                <a:cs typeface="Assistant" panose="00000500000000000000" pitchFamily="2" charset="-79"/>
               </a:rPr>
               <a:t>End of faith as its beginning,</a:t>
             </a:r>
@@ -3398,10 +3434,12 @@
           <a:p>
             <a:pPr algn="ctr"/>
             <a:r>
-              <a:rPr lang="en-US" sz="3600" dirty="0">
+              <a:rPr lang="en-US" sz="2800" spc="50" dirty="0">
                 <a:solidFill>
                   <a:schemeClr val="bg1"/>
                 </a:solidFill>
+                <a:latin typeface="Assistant" panose="00000500000000000000" pitchFamily="2" charset="-79"/>
+                <a:cs typeface="Assistant" panose="00000500000000000000" pitchFamily="2" charset="-79"/>
               </a:rPr>
               <a:t>Set our hearts at liberty.</a:t>
             </a:r>
@@ -3503,8 +3541,8 @@
         </p:nvSpPr>
         <p:spPr>
           <a:xfrm>
-            <a:off x="0" y="5804209"/>
-            <a:ext cx="12192000" cy="830997"/>
+            <a:off x="0" y="5927320"/>
+            <a:ext cx="12192000" cy="584775"/>
           </a:xfrm>
           <a:prstGeom prst="rect">
             <a:avLst/>
@@ -3519,10 +3557,12 @@
           <a:p>
             <a:pPr algn="ctr"/>
             <a:r>
-              <a:rPr lang="en-US" sz="4800" dirty="0">
+              <a:rPr lang="en-US" sz="3200" u="sng" dirty="0">
                 <a:solidFill>
                   <a:schemeClr val="bg1"/>
                 </a:solidFill>
+                <a:latin typeface="Assistant SemiBold" panose="00000700000000000000" pitchFamily="2" charset="-79"/>
+                <a:cs typeface="Assistant SemiBold" panose="00000700000000000000" pitchFamily="2" charset="-79"/>
               </a:rPr>
               <a:t>“Love Divine, All Loves Excelling”</a:t>
             </a:r>
@@ -3537,8 +3577,8 @@
         </p:nvSpPr>
         <p:spPr>
           <a:xfrm>
-            <a:off x="0" y="255159"/>
-            <a:ext cx="12192000" cy="5078313"/>
+            <a:off x="0" y="748839"/>
+            <a:ext cx="12192000" cy="2982959"/>
           </a:xfrm>
           <a:prstGeom prst="rect">
             <a:avLst/>
@@ -3553,10 +3593,12 @@
           <a:p>
             <a:pPr algn="ctr"/>
             <a:r>
-              <a:rPr lang="en-US" sz="3600" dirty="0">
+              <a:rPr lang="en-US" sz="2800" spc="50" dirty="0">
                 <a:solidFill>
                   <a:schemeClr val="bg1"/>
                 </a:solidFill>
+                <a:latin typeface="Assistant" panose="00000500000000000000" pitchFamily="2" charset="-79"/>
+                <a:cs typeface="Assistant" panose="00000500000000000000" pitchFamily="2" charset="-79"/>
               </a:rPr>
               <a:t>Come, Almighty to deliver,</a:t>
             </a:r>
@@ -3564,10 +3606,12 @@
           <a:p>
             <a:pPr algn="ctr"/>
             <a:r>
-              <a:rPr lang="en-US" sz="3600" dirty="0">
+              <a:rPr lang="en-US" sz="2800" spc="50" dirty="0">
                 <a:solidFill>
                   <a:schemeClr val="bg1"/>
                 </a:solidFill>
+                <a:latin typeface="Assistant" panose="00000500000000000000" pitchFamily="2" charset="-79"/>
+                <a:cs typeface="Assistant" panose="00000500000000000000" pitchFamily="2" charset="-79"/>
               </a:rPr>
               <a:t>Let us all Thy grace receive!</a:t>
             </a:r>
@@ -3575,10 +3619,12 @@
           <a:p>
             <a:pPr algn="ctr"/>
             <a:r>
-              <a:rPr lang="en-US" sz="3600" dirty="0">
+              <a:rPr lang="en-US" sz="2800" spc="50" dirty="0">
                 <a:solidFill>
                   <a:schemeClr val="bg1"/>
                 </a:solidFill>
+                <a:latin typeface="Assistant" panose="00000500000000000000" pitchFamily="2" charset="-79"/>
+                <a:cs typeface="Assistant" panose="00000500000000000000" pitchFamily="2" charset="-79"/>
               </a:rPr>
               <a:t>Suddenly return and never,</a:t>
             </a:r>
@@ -3586,29 +3632,35 @@
           <a:p>
             <a:pPr algn="ctr"/>
             <a:r>
-              <a:rPr lang="en-US" sz="3600" dirty="0">
+              <a:rPr lang="en-US" sz="2800" spc="50" dirty="0">
                 <a:solidFill>
                   <a:schemeClr val="bg1"/>
                 </a:solidFill>
+                <a:latin typeface="Assistant" panose="00000500000000000000" pitchFamily="2" charset="-79"/>
+                <a:cs typeface="Assistant" panose="00000500000000000000" pitchFamily="2" charset="-79"/>
               </a:rPr>
               <a:t>Never more Thy temples leave.</a:t>
             </a:r>
           </a:p>
           <a:p>
             <a:pPr algn="ctr"/>
-            <a:endParaRPr lang="en-US" sz="3600" dirty="0">
+            <a:endParaRPr lang="en-US" sz="2800" spc="50" dirty="0">
               <a:solidFill>
                 <a:schemeClr val="bg1"/>
               </a:solidFill>
+              <a:latin typeface="Assistant" panose="00000500000000000000" pitchFamily="2" charset="-79"/>
+              <a:cs typeface="Assistant" panose="00000500000000000000" pitchFamily="2" charset="-79"/>
             </a:endParaRPr>
           </a:p>
           <a:p>
             <a:pPr algn="ctr"/>
             <a:r>
-              <a:rPr lang="en-US" sz="3600" dirty="0">
+              <a:rPr lang="en-US" sz="2800" spc="50" dirty="0">
                 <a:solidFill>
                   <a:schemeClr val="bg1"/>
                 </a:solidFill>
+                <a:latin typeface="Assistant" panose="00000500000000000000" pitchFamily="2" charset="-79"/>
+                <a:cs typeface="Assistant" panose="00000500000000000000" pitchFamily="2" charset="-79"/>
               </a:rPr>
               <a:t>Thee we would be always blessing,</a:t>
             </a:r>
@@ -3616,10 +3668,12 @@
           <a:p>
             <a:pPr algn="ctr"/>
             <a:r>
-              <a:rPr lang="en-US" sz="3600" dirty="0">
+              <a:rPr lang="en-US" sz="2800" spc="50" dirty="0">
                 <a:solidFill>
                   <a:schemeClr val="bg1"/>
                 </a:solidFill>
+                <a:latin typeface="Assistant" panose="00000500000000000000" pitchFamily="2" charset="-79"/>
+                <a:cs typeface="Assistant" panose="00000500000000000000" pitchFamily="2" charset="-79"/>
               </a:rPr>
               <a:t>Serving Thee like those above;</a:t>
             </a:r>
@@ -3627,10 +3681,12 @@
           <a:p>
             <a:pPr algn="ctr"/>
             <a:r>
-              <a:rPr lang="en-US" sz="3600" dirty="0">
+              <a:rPr lang="en-US" sz="2800" spc="50" dirty="0">
                 <a:solidFill>
                   <a:schemeClr val="bg1"/>
                 </a:solidFill>
+                <a:latin typeface="Assistant" panose="00000500000000000000" pitchFamily="2" charset="-79"/>
+                <a:cs typeface="Assistant" panose="00000500000000000000" pitchFamily="2" charset="-79"/>
               </a:rPr>
               <a:t>We would praise Thee without ceasing,</a:t>
             </a:r>
@@ -3638,10 +3694,12 @@
           <a:p>
             <a:pPr algn="ctr"/>
             <a:r>
-              <a:rPr lang="en-US" sz="3600" dirty="0">
+              <a:rPr lang="en-US" sz="2800" spc="50" dirty="0">
                 <a:solidFill>
                   <a:schemeClr val="bg1"/>
                 </a:solidFill>
+                <a:latin typeface="Assistant" panose="00000500000000000000" pitchFamily="2" charset="-79"/>
+                <a:cs typeface="Assistant" panose="00000500000000000000" pitchFamily="2" charset="-79"/>
               </a:rPr>
               <a:t>Glory in Thy perfect love.</a:t>
             </a:r>
@@ -3743,8 +3801,8 @@
         </p:nvSpPr>
         <p:spPr>
           <a:xfrm>
-            <a:off x="0" y="5804209"/>
-            <a:ext cx="12192000" cy="830997"/>
+            <a:off x="0" y="5927320"/>
+            <a:ext cx="12192000" cy="584775"/>
           </a:xfrm>
           <a:prstGeom prst="rect">
             <a:avLst/>
@@ -3759,10 +3817,12 @@
           <a:p>
             <a:pPr algn="ctr"/>
             <a:r>
-              <a:rPr lang="en-US" sz="4800" dirty="0">
+              <a:rPr lang="en-US" sz="3200" u="sng" dirty="0">
                 <a:solidFill>
                   <a:schemeClr val="bg1"/>
                 </a:solidFill>
+                <a:latin typeface="Assistant SemiBold" panose="00000700000000000000" pitchFamily="2" charset="-79"/>
+                <a:cs typeface="Assistant SemiBold" panose="00000700000000000000" pitchFamily="2" charset="-79"/>
               </a:rPr>
               <a:t>“Love Divine, All Loves Excelling”</a:t>
             </a:r>
@@ -3777,8 +3837,8 @@
         </p:nvSpPr>
         <p:spPr>
           <a:xfrm>
-            <a:off x="0" y="255159"/>
-            <a:ext cx="12192000" cy="5078313"/>
+            <a:off x="0" y="748839"/>
+            <a:ext cx="12192000" cy="2982959"/>
           </a:xfrm>
           <a:prstGeom prst="rect">
             <a:avLst/>
@@ -3793,10 +3853,12 @@
           <a:p>
             <a:pPr algn="ctr"/>
             <a:r>
-              <a:rPr lang="en-US" sz="3600" dirty="0">
+              <a:rPr lang="en-US" sz="2800" spc="50" dirty="0">
                 <a:solidFill>
                   <a:schemeClr val="bg1"/>
                 </a:solidFill>
+                <a:latin typeface="Assistant" panose="00000500000000000000" pitchFamily="2" charset="-79"/>
+                <a:cs typeface="Assistant" panose="00000500000000000000" pitchFamily="2" charset="-79"/>
               </a:rPr>
               <a:t>Finish then Thy new creation;</a:t>
             </a:r>
@@ -3804,10 +3866,12 @@
           <a:p>
             <a:pPr algn="ctr"/>
             <a:r>
-              <a:rPr lang="en-US" sz="3600" dirty="0">
+              <a:rPr lang="en-US" sz="2800" spc="50" dirty="0">
                 <a:solidFill>
                   <a:schemeClr val="bg1"/>
                 </a:solidFill>
+                <a:latin typeface="Assistant" panose="00000500000000000000" pitchFamily="2" charset="-79"/>
+                <a:cs typeface="Assistant" panose="00000500000000000000" pitchFamily="2" charset="-79"/>
               </a:rPr>
               <a:t>Pure and spotless may we be.</a:t>
             </a:r>
@@ -3815,10 +3879,12 @@
           <a:p>
             <a:pPr algn="ctr"/>
             <a:r>
-              <a:rPr lang="en-US" sz="3600" dirty="0">
+              <a:rPr lang="en-US" sz="2800" spc="50" dirty="0">
                 <a:solidFill>
                   <a:schemeClr val="bg1"/>
                 </a:solidFill>
+                <a:latin typeface="Assistant" panose="00000500000000000000" pitchFamily="2" charset="-79"/>
+                <a:cs typeface="Assistant" panose="00000500000000000000" pitchFamily="2" charset="-79"/>
               </a:rPr>
               <a:t>Let us see Thy great salvation</a:t>
             </a:r>
@@ -3826,29 +3892,35 @@
           <a:p>
             <a:pPr algn="ctr"/>
             <a:r>
-              <a:rPr lang="en-US" sz="3600" dirty="0">
+              <a:rPr lang="en-US" sz="2800" spc="50" dirty="0">
                 <a:solidFill>
                   <a:schemeClr val="bg1"/>
                 </a:solidFill>
+                <a:latin typeface="Assistant" panose="00000500000000000000" pitchFamily="2" charset="-79"/>
+                <a:cs typeface="Assistant" panose="00000500000000000000" pitchFamily="2" charset="-79"/>
               </a:rPr>
               <a:t>Perfectly restored in Thee;</a:t>
             </a:r>
           </a:p>
           <a:p>
             <a:pPr algn="ctr"/>
-            <a:endParaRPr lang="en-US" sz="3600" dirty="0">
+            <a:endParaRPr lang="en-US" sz="2800" spc="50" dirty="0">
               <a:solidFill>
                 <a:schemeClr val="bg1"/>
               </a:solidFill>
+              <a:latin typeface="Assistant" panose="00000500000000000000" pitchFamily="2" charset="-79"/>
+              <a:cs typeface="Assistant" panose="00000500000000000000" pitchFamily="2" charset="-79"/>
             </a:endParaRPr>
           </a:p>
           <a:p>
             <a:pPr algn="ctr"/>
             <a:r>
-              <a:rPr lang="en-US" sz="3600" dirty="0">
+              <a:rPr lang="en-US" sz="2800" spc="50" dirty="0">
                 <a:solidFill>
                   <a:schemeClr val="bg1"/>
                 </a:solidFill>
+                <a:latin typeface="Assistant" panose="00000500000000000000" pitchFamily="2" charset="-79"/>
+                <a:cs typeface="Assistant" panose="00000500000000000000" pitchFamily="2" charset="-79"/>
               </a:rPr>
               <a:t>Changed from glory into glory</a:t>
             </a:r>
@@ -3856,18 +3928,22 @@
           <a:p>
             <a:pPr algn="ctr"/>
             <a:r>
-              <a:rPr lang="en-US" sz="3600" dirty="0" err="1">
+              <a:rPr lang="en-US" sz="2800" spc="50" dirty="0" err="1">
                 <a:solidFill>
                   <a:schemeClr val="bg1"/>
                 </a:solidFill>
+                <a:latin typeface="Assistant" panose="00000500000000000000" pitchFamily="2" charset="-79"/>
+                <a:cs typeface="Assistant" panose="00000500000000000000" pitchFamily="2" charset="-79"/>
               </a:rPr>
               <a:t>‘Til</a:t>
             </a:r>
             <a:r>
-              <a:rPr lang="en-US" sz="3600" dirty="0">
+              <a:rPr lang="en-US" sz="2800" spc="50" dirty="0">
                 <a:solidFill>
                   <a:schemeClr val="bg1"/>
                 </a:solidFill>
+                <a:latin typeface="Assistant" panose="00000500000000000000" pitchFamily="2" charset="-79"/>
+                <a:cs typeface="Assistant" panose="00000500000000000000" pitchFamily="2" charset="-79"/>
               </a:rPr>
               <a:t> in heaven we take our place,</a:t>
             </a:r>
@@ -3875,18 +3951,22 @@
           <a:p>
             <a:pPr algn="ctr"/>
             <a:r>
-              <a:rPr lang="en-US" sz="3600" dirty="0" err="1">
+              <a:rPr lang="en-US" sz="2800" spc="50" dirty="0" err="1">
                 <a:solidFill>
                   <a:schemeClr val="bg1"/>
                 </a:solidFill>
+                <a:latin typeface="Assistant" panose="00000500000000000000" pitchFamily="2" charset="-79"/>
+                <a:cs typeface="Assistant" panose="00000500000000000000" pitchFamily="2" charset="-79"/>
               </a:rPr>
               <a:t>‘Til</a:t>
             </a:r>
             <a:r>
-              <a:rPr lang="en-US" sz="3600" dirty="0">
+              <a:rPr lang="en-US" sz="2800" spc="50" dirty="0">
                 <a:solidFill>
                   <a:schemeClr val="bg1"/>
                 </a:solidFill>
+                <a:latin typeface="Assistant" panose="00000500000000000000" pitchFamily="2" charset="-79"/>
+                <a:cs typeface="Assistant" panose="00000500000000000000" pitchFamily="2" charset="-79"/>
               </a:rPr>
               <a:t> we cast our crowns before Thee,</a:t>
             </a:r>
@@ -3894,10 +3974,12 @@
           <a:p>
             <a:pPr algn="ctr"/>
             <a:r>
-              <a:rPr lang="en-US" sz="3600" dirty="0">
+              <a:rPr lang="en-US" sz="2800" spc="50" dirty="0">
                 <a:solidFill>
                   <a:schemeClr val="bg1"/>
                 </a:solidFill>
+                <a:latin typeface="Assistant" panose="00000500000000000000" pitchFamily="2" charset="-79"/>
+                <a:cs typeface="Assistant" panose="00000500000000000000" pitchFamily="2" charset="-79"/>
               </a:rPr>
               <a:t>Lost in wonder, love, and praise.</a:t>
             </a:r>
